--- a/docs/Temperature Presentation/Quy/New_Common.pptx
+++ b/docs/Temperature Presentation/Quy/New_Common.pptx
@@ -300,7 +300,7 @@
             <a:fld id="{1D8BD707-D9CF-40AE-B4C6-C98DA3205C09}" type="datetimeFigureOut">
               <a:rPr lang="en-US" smtClean="0"/>
               <a:pPr/>
-              <a:t>12/10/2015</a:t>
+              <a:t>12/11/2015</a:t>
             </a:fld>
             <a:endParaRPr lang="en-US"/>
           </a:p>
@@ -467,7 +467,7 @@
             <a:fld id="{1D8BD707-D9CF-40AE-B4C6-C98DA3205C09}" type="datetimeFigureOut">
               <a:rPr lang="en-US" smtClean="0"/>
               <a:pPr/>
-              <a:t>12/10/2015</a:t>
+              <a:t>12/11/2015</a:t>
             </a:fld>
             <a:endParaRPr lang="en-US"/>
           </a:p>
@@ -644,7 +644,7 @@
             <a:fld id="{1D8BD707-D9CF-40AE-B4C6-C98DA3205C09}" type="datetimeFigureOut">
               <a:rPr lang="en-US" smtClean="0"/>
               <a:pPr/>
-              <a:t>12/10/2015</a:t>
+              <a:t>12/11/2015</a:t>
             </a:fld>
             <a:endParaRPr lang="en-US"/>
           </a:p>
@@ -811,7 +811,7 @@
             <a:fld id="{1D8BD707-D9CF-40AE-B4C6-C98DA3205C09}" type="datetimeFigureOut">
               <a:rPr lang="en-US" smtClean="0"/>
               <a:pPr/>
-              <a:t>12/10/2015</a:t>
+              <a:t>12/11/2015</a:t>
             </a:fld>
             <a:endParaRPr lang="en-US"/>
           </a:p>
@@ -1054,7 +1054,7 @@
             <a:fld id="{1D8BD707-D9CF-40AE-B4C6-C98DA3205C09}" type="datetimeFigureOut">
               <a:rPr lang="en-US" smtClean="0"/>
               <a:pPr/>
-              <a:t>12/10/2015</a:t>
+              <a:t>12/11/2015</a:t>
             </a:fld>
             <a:endParaRPr lang="en-US"/>
           </a:p>
@@ -1339,7 +1339,7 @@
             <a:fld id="{1D8BD707-D9CF-40AE-B4C6-C98DA3205C09}" type="datetimeFigureOut">
               <a:rPr lang="en-US" smtClean="0"/>
               <a:pPr/>
-              <a:t>12/10/2015</a:t>
+              <a:t>12/11/2015</a:t>
             </a:fld>
             <a:endParaRPr lang="en-US"/>
           </a:p>
@@ -1758,7 +1758,7 @@
             <a:fld id="{1D8BD707-D9CF-40AE-B4C6-C98DA3205C09}" type="datetimeFigureOut">
               <a:rPr lang="en-US" smtClean="0"/>
               <a:pPr/>
-              <a:t>12/10/2015</a:t>
+              <a:t>12/11/2015</a:t>
             </a:fld>
             <a:endParaRPr lang="en-US"/>
           </a:p>
@@ -1873,7 +1873,7 @@
             <a:fld id="{1D8BD707-D9CF-40AE-B4C6-C98DA3205C09}" type="datetimeFigureOut">
               <a:rPr lang="en-US" smtClean="0"/>
               <a:pPr/>
-              <a:t>12/10/2015</a:t>
+              <a:t>12/11/2015</a:t>
             </a:fld>
             <a:endParaRPr lang="en-US"/>
           </a:p>
@@ -1965,7 +1965,7 @@
             <a:fld id="{1D8BD707-D9CF-40AE-B4C6-C98DA3205C09}" type="datetimeFigureOut">
               <a:rPr lang="en-US" smtClean="0"/>
               <a:pPr/>
-              <a:t>12/10/2015</a:t>
+              <a:t>12/11/2015</a:t>
             </a:fld>
             <a:endParaRPr lang="en-US"/>
           </a:p>
@@ -2239,7 +2239,7 @@
             <a:fld id="{1D8BD707-D9CF-40AE-B4C6-C98DA3205C09}" type="datetimeFigureOut">
               <a:rPr lang="en-US" smtClean="0"/>
               <a:pPr/>
-              <a:t>12/10/2015</a:t>
+              <a:t>12/11/2015</a:t>
             </a:fld>
             <a:endParaRPr lang="en-US"/>
           </a:p>
@@ -2489,7 +2489,7 @@
             <a:fld id="{1D8BD707-D9CF-40AE-B4C6-C98DA3205C09}" type="datetimeFigureOut">
               <a:rPr lang="en-US" smtClean="0"/>
               <a:pPr/>
-              <a:t>12/10/2015</a:t>
+              <a:t>12/11/2015</a:t>
             </a:fld>
             <a:endParaRPr lang="en-US"/>
           </a:p>
@@ -2699,7 +2699,7 @@
             <a:fld id="{1D8BD707-D9CF-40AE-B4C6-C98DA3205C09}" type="datetimeFigureOut">
               <a:rPr lang="en-US" smtClean="0"/>
               <a:pPr/>
-              <a:t>12/10/2015</a:t>
+              <a:t>12/11/2015</a:t>
             </a:fld>
             <a:endParaRPr lang="en-US"/>
           </a:p>
@@ -4413,8 +4413,13 @@
           <a:p>
             <a:r>
               <a:rPr lang="en-US" dirty="0"/>
-              <a:t>Make food ingredient by meal</a:t>
-            </a:r>
+              <a:t>Make food </a:t>
+            </a:r>
+            <a:r>
+              <a:rPr lang="en-US" dirty="0" smtClean="0"/>
+              <a:t>ingredient</a:t>
+            </a:r>
+            <a:endParaRPr lang="en-US" dirty="0"/>
           </a:p>
           <a:p>
             <a:endParaRPr lang="en-US" dirty="0" smtClean="0"/>

--- a/docs/Temperature Presentation/Quy/New_Common.pptx
+++ b/docs/Temperature Presentation/Quy/New_Common.pptx
@@ -10,13 +10,15 @@
     <p:sldId id="259" r:id="rId4"/>
     <p:sldId id="261" r:id="rId5"/>
     <p:sldId id="260" r:id="rId6"/>
-    <p:sldId id="264" r:id="rId7"/>
-    <p:sldId id="265" r:id="rId8"/>
-    <p:sldId id="266" r:id="rId9"/>
-    <p:sldId id="267" r:id="rId10"/>
-    <p:sldId id="268" r:id="rId11"/>
-    <p:sldId id="262" r:id="rId12"/>
-    <p:sldId id="263" r:id="rId13"/>
+    <p:sldId id="269" r:id="rId7"/>
+    <p:sldId id="264" r:id="rId8"/>
+    <p:sldId id="265" r:id="rId9"/>
+    <p:sldId id="266" r:id="rId10"/>
+    <p:sldId id="267" r:id="rId11"/>
+    <p:sldId id="268" r:id="rId12"/>
+    <p:sldId id="262" r:id="rId13"/>
+    <p:sldId id="270" r:id="rId14"/>
+    <p:sldId id="263" r:id="rId15"/>
   </p:sldIdLst>
   <p:sldSz cx="9144000" cy="6858000" type="screen4x3"/>
   <p:notesSz cx="6858000" cy="9144000"/>
@@ -3070,6 +3072,36 @@
           <a:chExt cx="0" cy="0"/>
         </a:xfrm>
       </p:grpSpPr>
+      <p:pic>
+        <p:nvPicPr>
+          <p:cNvPr id="4" name="Picture 3"/>
+          <p:cNvPicPr>
+            <a:picLocks noChangeAspect="1"/>
+          </p:cNvPicPr>
+          <p:nvPr/>
+        </p:nvPicPr>
+        <p:blipFill>
+          <a:blip r:embed="rId2">
+            <a:extLst>
+              <a:ext uri="{28A0092B-C50C-407E-A947-70E740481C1C}">
+                <a14:useLocalDpi xmlns:a14="http://schemas.microsoft.com/office/drawing/2010/main" val="0"/>
+              </a:ext>
+            </a:extLst>
+          </a:blip>
+          <a:stretch>
+            <a:fillRect/>
+          </a:stretch>
+        </p:blipFill>
+        <p:spPr>
+          <a:xfrm>
+            <a:off x="18011" y="1"/>
+            <a:ext cx="9144000" cy="6858000"/>
+          </a:xfrm>
+          <a:prstGeom prst="rect">
+            <a:avLst/>
+          </a:prstGeom>
+        </p:spPr>
+      </p:pic>
       <p:sp>
         <p:nvSpPr>
           <p:cNvPr id="2" name="Title 1"/>
@@ -3086,10 +3118,18 @@
           <a:lstStyle/>
           <a:p>
             <a:r>
-              <a:rPr lang="en-US" dirty="0" smtClean="0"/>
+              <a:rPr lang="en-US" b="1" dirty="0" smtClean="0">
+                <a:solidFill>
+                  <a:srgbClr val="00B050"/>
+                </a:solidFill>
+              </a:rPr>
               <a:t>Advantage</a:t>
             </a:r>
-            <a:endParaRPr lang="vi-VN" dirty="0"/>
+            <a:endParaRPr lang="vi-VN" b="1" dirty="0">
+              <a:solidFill>
+                <a:srgbClr val="00B050"/>
+              </a:solidFill>
+            </a:endParaRPr>
           </a:p>
         </p:txBody>
       </p:sp>
@@ -3149,57 +3189,9 @@
           <a:chExt cx="0" cy="0"/>
         </a:xfrm>
       </p:grpSpPr>
-      <p:sp>
-        <p:nvSpPr>
-          <p:cNvPr id="2" name="Title 1"/>
-          <p:cNvSpPr>
-            <a:spLocks noGrp="1"/>
-          </p:cNvSpPr>
-          <p:nvPr>
-            <p:ph type="title"/>
-          </p:nvPr>
-        </p:nvSpPr>
-        <p:spPr/>
-        <p:txBody>
-          <a:bodyPr/>
-          <a:lstStyle/>
-          <a:p>
-            <a:r>
-              <a:rPr lang="en-US" dirty="0" smtClean="0"/>
-              <a:t>Main Function</a:t>
-            </a:r>
-            <a:endParaRPr lang="vi-VN" dirty="0"/>
-          </a:p>
-        </p:txBody>
-      </p:sp>
-      <p:sp>
-        <p:nvSpPr>
-          <p:cNvPr id="3" name="Content Placeholder 2"/>
-          <p:cNvSpPr>
-            <a:spLocks noGrp="1"/>
-          </p:cNvSpPr>
-          <p:nvPr>
-            <p:ph idx="1"/>
-          </p:nvPr>
-        </p:nvSpPr>
-        <p:spPr/>
-        <p:txBody>
-          <a:bodyPr/>
-          <a:lstStyle/>
-          <a:p>
-            <a:r>
-              <a:rPr lang="en-US" dirty="0"/>
-              <a:t>Get patient’s practice data</a:t>
-            </a:r>
-          </a:p>
-          <a:p>
-            <a:endParaRPr lang="en-US" dirty="0" smtClean="0"/>
-          </a:p>
-        </p:txBody>
-      </p:sp>
       <p:pic>
         <p:nvPicPr>
-          <p:cNvPr id="4" name="Picture 3"/>
+          <p:cNvPr id="8" name="Picture 7"/>
           <p:cNvPicPr>
             <a:picLocks noChangeAspect="1"/>
           </p:cNvPicPr>
@@ -3219,8 +3211,189 @@
         </p:blipFill>
         <p:spPr>
           <a:xfrm>
-            <a:off x="3119234" y="2785972"/>
-            <a:ext cx="2905531" cy="1286055"/>
+            <a:off x="18011" y="1"/>
+            <a:ext cx="9144000" cy="6858000"/>
+          </a:xfrm>
+          <a:prstGeom prst="rect">
+            <a:avLst/>
+          </a:prstGeom>
+        </p:spPr>
+      </p:pic>
+      <p:sp>
+        <p:nvSpPr>
+          <p:cNvPr id="2" name="Title 1"/>
+          <p:cNvSpPr>
+            <a:spLocks noGrp="1"/>
+          </p:cNvSpPr>
+          <p:nvPr>
+            <p:ph type="title"/>
+          </p:nvPr>
+        </p:nvSpPr>
+        <p:spPr/>
+        <p:txBody>
+          <a:bodyPr/>
+          <a:lstStyle/>
+          <a:p>
+            <a:r>
+              <a:rPr lang="en-US" b="1" dirty="0" smtClean="0">
+                <a:solidFill>
+                  <a:srgbClr val="00B050"/>
+                </a:solidFill>
+              </a:rPr>
+              <a:t>Main Function</a:t>
+            </a:r>
+            <a:endParaRPr lang="vi-VN" b="1" dirty="0">
+              <a:solidFill>
+                <a:srgbClr val="00B050"/>
+              </a:solidFill>
+            </a:endParaRPr>
+          </a:p>
+        </p:txBody>
+      </p:sp>
+      <p:sp>
+        <p:nvSpPr>
+          <p:cNvPr id="3" name="Content Placeholder 2"/>
+          <p:cNvSpPr>
+            <a:spLocks noGrp="1"/>
+          </p:cNvSpPr>
+          <p:nvPr>
+            <p:ph idx="1"/>
+          </p:nvPr>
+        </p:nvSpPr>
+        <p:spPr>
+          <a:xfrm>
+            <a:off x="457200" y="1600201"/>
+            <a:ext cx="8229600" cy="838200"/>
+          </a:xfrm>
+        </p:spPr>
+        <p:txBody>
+          <a:bodyPr/>
+          <a:lstStyle/>
+          <a:p>
+            <a:r>
+              <a:rPr lang="en-US" dirty="0"/>
+              <a:t>Remind patient in treating</a:t>
+            </a:r>
+          </a:p>
+          <a:p>
+            <a:endParaRPr lang="en-US" dirty="0" smtClean="0"/>
+          </a:p>
+        </p:txBody>
+      </p:sp>
+      <p:pic>
+        <p:nvPicPr>
+          <p:cNvPr id="4" name="Picture 3"/>
+          <p:cNvPicPr>
+            <a:picLocks noChangeAspect="1"/>
+          </p:cNvPicPr>
+          <p:nvPr/>
+        </p:nvPicPr>
+        <p:blipFill>
+          <a:blip r:embed="rId3">
+            <a:extLst>
+              <a:ext uri="{28A0092B-C50C-407E-A947-70E740481C1C}">
+                <a14:useLocalDpi xmlns:a14="http://schemas.microsoft.com/office/drawing/2010/main" val="0"/>
+              </a:ext>
+            </a:extLst>
+          </a:blip>
+          <a:stretch>
+            <a:fillRect/>
+          </a:stretch>
+        </p:blipFill>
+        <p:spPr>
+          <a:xfrm>
+            <a:off x="3276600" y="3886200"/>
+            <a:ext cx="2162908" cy="2162908"/>
+          </a:xfrm>
+          <a:prstGeom prst="rect">
+            <a:avLst/>
+          </a:prstGeom>
+        </p:spPr>
+      </p:pic>
+      <p:pic>
+        <p:nvPicPr>
+          <p:cNvPr id="5" name="Picture 4"/>
+          <p:cNvPicPr>
+            <a:picLocks noChangeAspect="1"/>
+          </p:cNvPicPr>
+          <p:nvPr/>
+        </p:nvPicPr>
+        <p:blipFill>
+          <a:blip r:embed="rId4" cstate="print">
+            <a:extLst>
+              <a:ext uri="{28A0092B-C50C-407E-A947-70E740481C1C}">
+                <a14:useLocalDpi xmlns:a14="http://schemas.microsoft.com/office/drawing/2010/main" val="0"/>
+              </a:ext>
+            </a:extLst>
+          </a:blip>
+          <a:stretch>
+            <a:fillRect/>
+          </a:stretch>
+        </p:blipFill>
+        <p:spPr>
+          <a:xfrm>
+            <a:off x="1747227" y="2913166"/>
+            <a:ext cx="1517650" cy="811200"/>
+          </a:xfrm>
+          <a:prstGeom prst="rect">
+            <a:avLst/>
+          </a:prstGeom>
+        </p:spPr>
+      </p:pic>
+      <p:pic>
+        <p:nvPicPr>
+          <p:cNvPr id="6" name="Picture 5"/>
+          <p:cNvPicPr>
+            <a:picLocks noChangeAspect="1"/>
+          </p:cNvPicPr>
+          <p:nvPr/>
+        </p:nvPicPr>
+        <p:blipFill>
+          <a:blip r:embed="rId5">
+            <a:extLst>
+              <a:ext uri="{28A0092B-C50C-407E-A947-70E740481C1C}">
+                <a14:useLocalDpi xmlns:a14="http://schemas.microsoft.com/office/drawing/2010/main" val="0"/>
+              </a:ext>
+            </a:extLst>
+          </a:blip>
+          <a:stretch>
+            <a:fillRect/>
+          </a:stretch>
+        </p:blipFill>
+        <p:spPr>
+          <a:xfrm>
+            <a:off x="3707973" y="2631738"/>
+            <a:ext cx="1092628" cy="1092628"/>
+          </a:xfrm>
+          <a:prstGeom prst="rect">
+            <a:avLst/>
+          </a:prstGeom>
+        </p:spPr>
+      </p:pic>
+      <p:pic>
+        <p:nvPicPr>
+          <p:cNvPr id="7" name="Picture 6"/>
+          <p:cNvPicPr>
+            <a:picLocks noChangeAspect="1"/>
+          </p:cNvPicPr>
+          <p:nvPr/>
+        </p:nvPicPr>
+        <p:blipFill>
+          <a:blip r:embed="rId6" cstate="print">
+            <a:extLst>
+              <a:ext uri="{28A0092B-C50C-407E-A947-70E740481C1C}">
+                <a14:useLocalDpi xmlns:a14="http://schemas.microsoft.com/office/drawing/2010/main" val="0"/>
+              </a:ext>
+            </a:extLst>
+          </a:blip>
+          <a:stretch>
+            <a:fillRect/>
+          </a:stretch>
+        </p:blipFill>
+        <p:spPr>
+          <a:xfrm>
+            <a:off x="5638800" y="2773698"/>
+            <a:ext cx="1267557" cy="950668"/>
           </a:xfrm>
           <a:prstGeom prst="rect">
             <a:avLst/>
@@ -3230,7 +3403,7 @@
     </p:spTree>
     <p:extLst>
       <p:ext uri="{BB962C8B-B14F-4D97-AF65-F5344CB8AC3E}">
-        <p14:creationId xmlns:p14="http://schemas.microsoft.com/office/powerpoint/2010/main" val="2809251497"/>
+        <p14:creationId xmlns:p14="http://schemas.microsoft.com/office/powerpoint/2010/main" val="3109603894"/>
       </p:ext>
     </p:extLst>
   </p:cSld>
@@ -3264,62 +3437,9 @@
           <a:chExt cx="0" cy="0"/>
         </a:xfrm>
       </p:grpSpPr>
-      <p:sp>
-        <p:nvSpPr>
-          <p:cNvPr id="2" name="Title 1"/>
-          <p:cNvSpPr>
-            <a:spLocks noGrp="1"/>
-          </p:cNvSpPr>
-          <p:nvPr>
-            <p:ph type="title"/>
-          </p:nvPr>
-        </p:nvSpPr>
-        <p:spPr/>
-        <p:txBody>
-          <a:bodyPr/>
-          <a:lstStyle/>
-          <a:p>
-            <a:r>
-              <a:rPr lang="en-US" dirty="0" smtClean="0"/>
-              <a:t>Scope of System</a:t>
-            </a:r>
-            <a:endParaRPr lang="vi-VN" dirty="0"/>
-          </a:p>
-        </p:txBody>
-      </p:sp>
-      <p:sp>
-        <p:nvSpPr>
-          <p:cNvPr id="3" name="Content Placeholder 2"/>
-          <p:cNvSpPr>
-            <a:spLocks noGrp="1"/>
-          </p:cNvSpPr>
-          <p:nvPr>
-            <p:ph idx="1"/>
-          </p:nvPr>
-        </p:nvSpPr>
-        <p:spPr>
-          <a:xfrm>
-            <a:off x="457200" y="1600201"/>
-            <a:ext cx="8229600" cy="685800"/>
-          </a:xfrm>
-        </p:spPr>
-        <p:txBody>
-          <a:bodyPr/>
-          <a:lstStyle/>
-          <a:p>
-            <a:r>
-              <a:rPr lang="en-US" dirty="0" smtClean="0"/>
-              <a:t>Treating with patient 20 – 60 ages.</a:t>
-            </a:r>
-          </a:p>
-          <a:p>
-            <a:endParaRPr lang="vi-VN" dirty="0"/>
-          </a:p>
-        </p:txBody>
-      </p:sp>
       <p:pic>
         <p:nvPicPr>
-          <p:cNvPr id="4" name="Picture 3"/>
+          <p:cNvPr id="5" name="Picture 4"/>
           <p:cNvPicPr>
             <a:picLocks noChangeAspect="1"/>
           </p:cNvPicPr>
@@ -3339,17 +3459,73 @@
         </p:blipFill>
         <p:spPr>
           <a:xfrm>
-            <a:off x="1905000" y="2743199"/>
-            <a:ext cx="2142857" cy="2142857"/>
+            <a:off x="18011" y="1"/>
+            <a:ext cx="9144000" cy="6858000"/>
           </a:xfrm>
           <a:prstGeom prst="rect">
             <a:avLst/>
           </a:prstGeom>
         </p:spPr>
       </p:pic>
+      <p:sp>
+        <p:nvSpPr>
+          <p:cNvPr id="2" name="Title 1"/>
+          <p:cNvSpPr>
+            <a:spLocks noGrp="1"/>
+          </p:cNvSpPr>
+          <p:nvPr>
+            <p:ph type="title"/>
+          </p:nvPr>
+        </p:nvSpPr>
+        <p:spPr/>
+        <p:txBody>
+          <a:bodyPr/>
+          <a:lstStyle/>
+          <a:p>
+            <a:r>
+              <a:rPr lang="en-US" b="1" dirty="0" smtClean="0">
+                <a:solidFill>
+                  <a:srgbClr val="00B050"/>
+                </a:solidFill>
+              </a:rPr>
+              <a:t>Main Function</a:t>
+            </a:r>
+            <a:endParaRPr lang="vi-VN" b="1" dirty="0">
+              <a:solidFill>
+                <a:srgbClr val="00B050"/>
+              </a:solidFill>
+            </a:endParaRPr>
+          </a:p>
+        </p:txBody>
+      </p:sp>
+      <p:sp>
+        <p:nvSpPr>
+          <p:cNvPr id="3" name="Content Placeholder 2"/>
+          <p:cNvSpPr>
+            <a:spLocks noGrp="1"/>
+          </p:cNvSpPr>
+          <p:nvPr>
+            <p:ph idx="1"/>
+          </p:nvPr>
+        </p:nvSpPr>
+        <p:spPr/>
+        <p:txBody>
+          <a:bodyPr/>
+          <a:lstStyle/>
+          <a:p>
+            <a:r>
+              <a:rPr lang="en-US" dirty="0"/>
+              <a:t>Get patient’s practice data</a:t>
+            </a:r>
+          </a:p>
+          <a:p>
+            <a:endParaRPr lang="en-US" dirty="0" smtClean="0"/>
+          </a:p>
+        </p:txBody>
+      </p:sp>
       <p:pic>
         <p:nvPicPr>
-          <p:cNvPr id="5" name="Picture 4"/>
+          <p:cNvPr id="4" name="Picture 3"/>
           <p:cNvPicPr>
             <a:picLocks noChangeAspect="1"/>
           </p:cNvPicPr>
@@ -3369,8 +3545,8 @@
         </p:blipFill>
         <p:spPr>
           <a:xfrm>
-            <a:off x="4495800" y="2743199"/>
-            <a:ext cx="2143125" cy="2143125"/>
+            <a:off x="3119234" y="2785972"/>
+            <a:ext cx="2905531" cy="1286055"/>
           </a:xfrm>
           <a:prstGeom prst="rect">
             <a:avLst/>
@@ -3380,7 +3556,7 @@
     </p:spTree>
     <p:extLst>
       <p:ext uri="{BB962C8B-B14F-4D97-AF65-F5344CB8AC3E}">
-        <p14:creationId xmlns:p14="http://schemas.microsoft.com/office/powerpoint/2010/main" val="207161958"/>
+        <p14:creationId xmlns:p14="http://schemas.microsoft.com/office/powerpoint/2010/main" val="2809251497"/>
       </p:ext>
     </p:extLst>
   </p:cSld>
@@ -3414,59 +3590,9 @@
           <a:chExt cx="0" cy="0"/>
         </a:xfrm>
       </p:grpSpPr>
-      <p:sp>
-        <p:nvSpPr>
-          <p:cNvPr id="2" name="Title 1"/>
-          <p:cNvSpPr>
-            <a:spLocks noGrp="1"/>
-          </p:cNvSpPr>
-          <p:nvPr>
-            <p:ph type="title"/>
-          </p:nvPr>
-        </p:nvSpPr>
-        <p:spPr/>
-        <p:txBody>
-          <a:bodyPr/>
-          <a:lstStyle/>
-          <a:p>
-            <a:r>
-              <a:rPr lang="en-US" dirty="0" smtClean="0"/>
-              <a:t>Scope of System</a:t>
-            </a:r>
-            <a:endParaRPr lang="vi-VN" dirty="0"/>
-          </a:p>
-        </p:txBody>
-      </p:sp>
-      <p:sp>
-        <p:nvSpPr>
-          <p:cNvPr id="3" name="Content Placeholder 2"/>
-          <p:cNvSpPr>
-            <a:spLocks noGrp="1"/>
-          </p:cNvSpPr>
-          <p:nvPr>
-            <p:ph idx="1"/>
-          </p:nvPr>
-        </p:nvSpPr>
-        <p:spPr>
-          <a:xfrm>
-            <a:off x="457200" y="1600201"/>
-            <a:ext cx="8229600" cy="1143000"/>
-          </a:xfrm>
-        </p:spPr>
-        <p:txBody>
-          <a:bodyPr/>
-          <a:lstStyle/>
-          <a:p>
-            <a:r>
-              <a:rPr lang="en-US" dirty="0"/>
-              <a:t>System doesn’t support patient make appointment with doctor.</a:t>
-            </a:r>
-          </a:p>
-        </p:txBody>
-      </p:sp>
       <p:pic>
         <p:nvPicPr>
-          <p:cNvPr id="4" name="Picture 3"/>
+          <p:cNvPr id="6" name="Picture 5"/>
           <p:cNvPicPr>
             <a:picLocks noChangeAspect="1"/>
           </p:cNvPicPr>
@@ -3486,8 +3612,197 @@
         </p:blipFill>
         <p:spPr>
           <a:xfrm>
-            <a:off x="928504" y="3421038"/>
-            <a:ext cx="2438095" cy="2438095"/>
+            <a:off x="18011" y="1"/>
+            <a:ext cx="9144000" cy="6858000"/>
+          </a:xfrm>
+          <a:prstGeom prst="rect">
+            <a:avLst/>
+          </a:prstGeom>
+        </p:spPr>
+      </p:pic>
+      <p:sp>
+        <p:nvSpPr>
+          <p:cNvPr id="2" name="Title 1"/>
+          <p:cNvSpPr>
+            <a:spLocks noGrp="1"/>
+          </p:cNvSpPr>
+          <p:nvPr>
+            <p:ph type="title"/>
+          </p:nvPr>
+        </p:nvSpPr>
+        <p:spPr/>
+        <p:txBody>
+          <a:bodyPr/>
+          <a:lstStyle/>
+          <a:p>
+            <a:r>
+              <a:rPr lang="en-US" b="1" dirty="0" smtClean="0">
+                <a:solidFill>
+                  <a:srgbClr val="00B050"/>
+                </a:solidFill>
+              </a:rPr>
+              <a:t>Scope of System</a:t>
+            </a:r>
+            <a:endParaRPr lang="vi-VN" b="1" dirty="0">
+              <a:solidFill>
+                <a:srgbClr val="00B050"/>
+              </a:solidFill>
+            </a:endParaRPr>
+          </a:p>
+        </p:txBody>
+      </p:sp>
+    </p:spTree>
+    <p:extLst>
+      <p:ext uri="{BB962C8B-B14F-4D97-AF65-F5344CB8AC3E}">
+        <p14:creationId xmlns:p14="http://schemas.microsoft.com/office/powerpoint/2010/main" val="207161958"/>
+      </p:ext>
+    </p:extLst>
+  </p:cSld>
+  <p:clrMapOvr>
+    <a:masterClrMapping/>
+  </p:clrMapOvr>
+  <p:timing>
+    <p:tnLst>
+      <p:par>
+        <p:cTn id="1" dur="indefinite" restart="never" nodeType="tmRoot"/>
+      </p:par>
+    </p:tnLst>
+  </p:timing>
+</p:sld>
+</file>
+
+<file path=ppt/slides/slide13.xml><?xml version="1.0" encoding="utf-8"?>
+<p:sld xmlns:a="http://schemas.openxmlformats.org/drawingml/2006/main" xmlns:r="http://schemas.openxmlformats.org/officeDocument/2006/relationships" xmlns:p="http://schemas.openxmlformats.org/presentationml/2006/main">
+  <p:cSld>
+    <p:spTree>
+      <p:nvGrpSpPr>
+        <p:cNvPr id="1" name=""/>
+        <p:cNvGrpSpPr/>
+        <p:nvPr/>
+      </p:nvGrpSpPr>
+      <p:grpSpPr>
+        <a:xfrm>
+          <a:off x="0" y="0"/>
+          <a:ext cx="0" cy="0"/>
+          <a:chOff x="0" y="0"/>
+          <a:chExt cx="0" cy="0"/>
+        </a:xfrm>
+      </p:grpSpPr>
+      <p:pic>
+        <p:nvPicPr>
+          <p:cNvPr id="6" name="Picture 5"/>
+          <p:cNvPicPr>
+            <a:picLocks noChangeAspect="1"/>
+          </p:cNvPicPr>
+          <p:nvPr/>
+        </p:nvPicPr>
+        <p:blipFill>
+          <a:blip r:embed="rId2">
+            <a:extLst>
+              <a:ext uri="{28A0092B-C50C-407E-A947-70E740481C1C}">
+                <a14:useLocalDpi xmlns:a14="http://schemas.microsoft.com/office/drawing/2010/main" val="0"/>
+              </a:ext>
+            </a:extLst>
+          </a:blip>
+          <a:stretch>
+            <a:fillRect/>
+          </a:stretch>
+        </p:blipFill>
+        <p:spPr>
+          <a:xfrm>
+            <a:off x="18011" y="1"/>
+            <a:ext cx="9144000" cy="6858000"/>
+          </a:xfrm>
+          <a:prstGeom prst="rect">
+            <a:avLst/>
+          </a:prstGeom>
+        </p:spPr>
+      </p:pic>
+      <p:sp>
+        <p:nvSpPr>
+          <p:cNvPr id="2" name="Title 1"/>
+          <p:cNvSpPr>
+            <a:spLocks noGrp="1"/>
+          </p:cNvSpPr>
+          <p:nvPr>
+            <p:ph type="title"/>
+          </p:nvPr>
+        </p:nvSpPr>
+        <p:spPr/>
+        <p:txBody>
+          <a:bodyPr/>
+          <a:lstStyle/>
+          <a:p>
+            <a:r>
+              <a:rPr lang="en-US" b="1" dirty="0" smtClean="0">
+                <a:solidFill>
+                  <a:srgbClr val="00B050"/>
+                </a:solidFill>
+              </a:rPr>
+              <a:t>Scope of System</a:t>
+            </a:r>
+            <a:endParaRPr lang="vi-VN" b="1" dirty="0">
+              <a:solidFill>
+                <a:srgbClr val="00B050"/>
+              </a:solidFill>
+            </a:endParaRPr>
+          </a:p>
+        </p:txBody>
+      </p:sp>
+      <p:sp>
+        <p:nvSpPr>
+          <p:cNvPr id="3" name="Content Placeholder 2"/>
+          <p:cNvSpPr>
+            <a:spLocks noGrp="1"/>
+          </p:cNvSpPr>
+          <p:nvPr>
+            <p:ph idx="1"/>
+          </p:nvPr>
+        </p:nvSpPr>
+        <p:spPr>
+          <a:xfrm>
+            <a:off x="457200" y="1600201"/>
+            <a:ext cx="8229600" cy="685800"/>
+          </a:xfrm>
+        </p:spPr>
+        <p:txBody>
+          <a:bodyPr/>
+          <a:lstStyle/>
+          <a:p>
+            <a:r>
+              <a:rPr lang="en-US" dirty="0" smtClean="0"/>
+              <a:t>Treating with patient 20 – 60 ages.</a:t>
+            </a:r>
+          </a:p>
+          <a:p>
+            <a:endParaRPr lang="vi-VN" dirty="0"/>
+          </a:p>
+        </p:txBody>
+      </p:sp>
+      <p:pic>
+        <p:nvPicPr>
+          <p:cNvPr id="4" name="Picture 3"/>
+          <p:cNvPicPr>
+            <a:picLocks noChangeAspect="1"/>
+          </p:cNvPicPr>
+          <p:nvPr/>
+        </p:nvPicPr>
+        <p:blipFill>
+          <a:blip r:embed="rId3">
+            <a:extLst>
+              <a:ext uri="{28A0092B-C50C-407E-A947-70E740481C1C}">
+                <a14:useLocalDpi xmlns:a14="http://schemas.microsoft.com/office/drawing/2010/main" val="0"/>
+              </a:ext>
+            </a:extLst>
+          </a:blip>
+          <a:stretch>
+            <a:fillRect/>
+          </a:stretch>
+        </p:blipFill>
+        <p:spPr>
+          <a:xfrm>
+            <a:off x="1905000" y="2743199"/>
+            <a:ext cx="2142857" cy="2142857"/>
           </a:xfrm>
           <a:prstGeom prst="rect">
             <a:avLst/>
@@ -3503,7 +3818,192 @@
           <p:nvPr/>
         </p:nvPicPr>
         <p:blipFill>
+          <a:blip r:embed="rId4">
+            <a:extLst>
+              <a:ext uri="{28A0092B-C50C-407E-A947-70E740481C1C}">
+                <a14:useLocalDpi xmlns:a14="http://schemas.microsoft.com/office/drawing/2010/main" val="0"/>
+              </a:ext>
+            </a:extLst>
+          </a:blip>
+          <a:stretch>
+            <a:fillRect/>
+          </a:stretch>
+        </p:blipFill>
+        <p:spPr>
+          <a:xfrm>
+            <a:off x="4495800" y="2743199"/>
+            <a:ext cx="2143125" cy="2143125"/>
+          </a:xfrm>
+          <a:prstGeom prst="rect">
+            <a:avLst/>
+          </a:prstGeom>
+        </p:spPr>
+      </p:pic>
+    </p:spTree>
+    <p:extLst>
+      <p:ext uri="{BB962C8B-B14F-4D97-AF65-F5344CB8AC3E}">
+        <p14:creationId xmlns:p14="http://schemas.microsoft.com/office/powerpoint/2010/main" val="93936600"/>
+      </p:ext>
+    </p:extLst>
+  </p:cSld>
+  <p:clrMapOvr>
+    <a:masterClrMapping/>
+  </p:clrMapOvr>
+  <p:timing>
+    <p:tnLst>
+      <p:par>
+        <p:cTn id="1" dur="indefinite" restart="never" nodeType="tmRoot"/>
+      </p:par>
+    </p:tnLst>
+  </p:timing>
+</p:sld>
+</file>
+
+<file path=ppt/slides/slide14.xml><?xml version="1.0" encoding="utf-8"?>
+<p:sld xmlns:a="http://schemas.openxmlformats.org/drawingml/2006/main" xmlns:r="http://schemas.openxmlformats.org/officeDocument/2006/relationships" xmlns:p="http://schemas.openxmlformats.org/presentationml/2006/main">
+  <p:cSld>
+    <p:spTree>
+      <p:nvGrpSpPr>
+        <p:cNvPr id="1" name=""/>
+        <p:cNvGrpSpPr/>
+        <p:nvPr/>
+      </p:nvGrpSpPr>
+      <p:grpSpPr>
+        <a:xfrm>
+          <a:off x="0" y="0"/>
+          <a:ext cx="0" cy="0"/>
+          <a:chOff x="0" y="0"/>
+          <a:chExt cx="0" cy="0"/>
+        </a:xfrm>
+      </p:grpSpPr>
+      <p:pic>
+        <p:nvPicPr>
+          <p:cNvPr id="8" name="Picture 7"/>
+          <p:cNvPicPr>
+            <a:picLocks noChangeAspect="1"/>
+          </p:cNvPicPr>
+          <p:nvPr/>
+        </p:nvPicPr>
+        <p:blipFill>
+          <a:blip r:embed="rId2">
+            <a:extLst>
+              <a:ext uri="{28A0092B-C50C-407E-A947-70E740481C1C}">
+                <a14:useLocalDpi xmlns:a14="http://schemas.microsoft.com/office/drawing/2010/main" val="0"/>
+              </a:ext>
+            </a:extLst>
+          </a:blip>
+          <a:stretch>
+            <a:fillRect/>
+          </a:stretch>
+        </p:blipFill>
+        <p:spPr>
+          <a:xfrm>
+            <a:off x="18011" y="1"/>
+            <a:ext cx="9144000" cy="6858000"/>
+          </a:xfrm>
+          <a:prstGeom prst="rect">
+            <a:avLst/>
+          </a:prstGeom>
+        </p:spPr>
+      </p:pic>
+      <p:sp>
+        <p:nvSpPr>
+          <p:cNvPr id="2" name="Title 1"/>
+          <p:cNvSpPr>
+            <a:spLocks noGrp="1"/>
+          </p:cNvSpPr>
+          <p:nvPr>
+            <p:ph type="title"/>
+          </p:nvPr>
+        </p:nvSpPr>
+        <p:spPr/>
+        <p:txBody>
+          <a:bodyPr/>
+          <a:lstStyle/>
+          <a:p>
+            <a:r>
+              <a:rPr lang="en-US" b="1" dirty="0" smtClean="0">
+                <a:solidFill>
+                  <a:srgbClr val="00B050"/>
+                </a:solidFill>
+              </a:rPr>
+              <a:t>Scope of System</a:t>
+            </a:r>
+            <a:endParaRPr lang="vi-VN" b="1" dirty="0">
+              <a:solidFill>
+                <a:srgbClr val="00B050"/>
+              </a:solidFill>
+            </a:endParaRPr>
+          </a:p>
+        </p:txBody>
+      </p:sp>
+      <p:sp>
+        <p:nvSpPr>
+          <p:cNvPr id="3" name="Content Placeholder 2"/>
+          <p:cNvSpPr>
+            <a:spLocks noGrp="1"/>
+          </p:cNvSpPr>
+          <p:nvPr>
+            <p:ph idx="1"/>
+          </p:nvPr>
+        </p:nvSpPr>
+        <p:spPr>
+          <a:xfrm>
+            <a:off x="457200" y="1600201"/>
+            <a:ext cx="8229600" cy="1143000"/>
+          </a:xfrm>
+        </p:spPr>
+        <p:txBody>
+          <a:bodyPr/>
+          <a:lstStyle/>
+          <a:p>
+            <a:r>
+              <a:rPr lang="en-US" dirty="0"/>
+              <a:t>System doesn’t support patient make appointment with doctor.</a:t>
+            </a:r>
+          </a:p>
+        </p:txBody>
+      </p:sp>
+      <p:pic>
+        <p:nvPicPr>
+          <p:cNvPr id="4" name="Picture 3"/>
+          <p:cNvPicPr>
+            <a:picLocks noChangeAspect="1"/>
+          </p:cNvPicPr>
+          <p:nvPr/>
+        </p:nvPicPr>
+        <p:blipFill>
           <a:blip r:embed="rId3">
+            <a:extLst>
+              <a:ext uri="{28A0092B-C50C-407E-A947-70E740481C1C}">
+                <a14:useLocalDpi xmlns:a14="http://schemas.microsoft.com/office/drawing/2010/main" val="0"/>
+              </a:ext>
+            </a:extLst>
+          </a:blip>
+          <a:stretch>
+            <a:fillRect/>
+          </a:stretch>
+        </p:blipFill>
+        <p:spPr>
+          <a:xfrm>
+            <a:off x="928504" y="3421038"/>
+            <a:ext cx="2438095" cy="2438095"/>
+          </a:xfrm>
+          <a:prstGeom prst="rect">
+            <a:avLst/>
+          </a:prstGeom>
+        </p:spPr>
+      </p:pic>
+      <p:pic>
+        <p:nvPicPr>
+          <p:cNvPr id="5" name="Picture 4"/>
+          <p:cNvPicPr>
+            <a:picLocks noChangeAspect="1"/>
+          </p:cNvPicPr>
+          <p:nvPr/>
+        </p:nvPicPr>
+        <p:blipFill>
+          <a:blip r:embed="rId4">
             <a:extLst>
               <a:ext uri="{28A0092B-C50C-407E-A947-70E740481C1C}">
                 <a14:useLocalDpi xmlns:a14="http://schemas.microsoft.com/office/drawing/2010/main" val="0"/>
@@ -3627,67 +4127,16 @@
           <a:chExt cx="0" cy="0"/>
         </a:xfrm>
       </p:grpSpPr>
-      <p:sp>
-        <p:nvSpPr>
-          <p:cNvPr id="2" name="Title 1"/>
-          <p:cNvSpPr>
-            <a:spLocks noGrp="1"/>
-          </p:cNvSpPr>
-          <p:nvPr>
-            <p:ph type="title"/>
-          </p:nvPr>
-        </p:nvSpPr>
-        <p:spPr/>
-        <p:txBody>
-          <a:bodyPr/>
-          <a:lstStyle/>
-          <a:p>
-            <a:r>
-              <a:rPr lang="en-US" dirty="0" smtClean="0"/>
-              <a:t>Advantage</a:t>
-            </a:r>
-            <a:endParaRPr lang="vi-VN" dirty="0"/>
-          </a:p>
-        </p:txBody>
-      </p:sp>
-      <p:sp>
-        <p:nvSpPr>
-          <p:cNvPr id="3" name="Content Placeholder 2"/>
-          <p:cNvSpPr>
-            <a:spLocks noGrp="1"/>
-          </p:cNvSpPr>
-          <p:nvPr>
-            <p:ph idx="1"/>
-          </p:nvPr>
-        </p:nvSpPr>
-        <p:spPr>
-          <a:xfrm>
-            <a:off x="457200" y="1600201"/>
-            <a:ext cx="8229600" cy="685800"/>
-          </a:xfrm>
-        </p:spPr>
-        <p:txBody>
-          <a:bodyPr/>
-          <a:lstStyle/>
-          <a:p>
-            <a:r>
-              <a:rPr lang="en-US" dirty="0" smtClean="0"/>
-              <a:t>Manage medical record</a:t>
-            </a:r>
-            <a:endParaRPr lang="vi-VN" dirty="0"/>
-          </a:p>
-        </p:txBody>
-      </p:sp>
       <p:pic>
         <p:nvPicPr>
-          <p:cNvPr id="4" name="Picture 3"/>
+          <p:cNvPr id="13" name="Picture 12"/>
           <p:cNvPicPr>
             <a:picLocks noChangeAspect="1"/>
           </p:cNvPicPr>
           <p:nvPr/>
         </p:nvPicPr>
         <p:blipFill>
-          <a:blip r:embed="rId2" cstate="print">
+          <a:blip r:embed="rId2">
             <a:extLst>
               <a:ext uri="{28A0092B-C50C-407E-A947-70E740481C1C}">
                 <a14:useLocalDpi xmlns:a14="http://schemas.microsoft.com/office/drawing/2010/main" val="0"/>
@@ -3700,6 +4149,95 @@
         </p:blipFill>
         <p:spPr>
           <a:xfrm>
+            <a:off x="18011" y="1"/>
+            <a:ext cx="9144000" cy="6858000"/>
+          </a:xfrm>
+          <a:prstGeom prst="rect">
+            <a:avLst/>
+          </a:prstGeom>
+        </p:spPr>
+      </p:pic>
+      <p:sp>
+        <p:nvSpPr>
+          <p:cNvPr id="2" name="Title 1"/>
+          <p:cNvSpPr>
+            <a:spLocks noGrp="1"/>
+          </p:cNvSpPr>
+          <p:nvPr>
+            <p:ph type="title"/>
+          </p:nvPr>
+        </p:nvSpPr>
+        <p:spPr/>
+        <p:txBody>
+          <a:bodyPr/>
+          <a:lstStyle/>
+          <a:p>
+            <a:r>
+              <a:rPr lang="en-US" b="1" dirty="0" smtClean="0">
+                <a:solidFill>
+                  <a:srgbClr val="00B050"/>
+                </a:solidFill>
+              </a:rPr>
+              <a:t>Advantage</a:t>
+            </a:r>
+            <a:endParaRPr lang="vi-VN" b="1" dirty="0">
+              <a:solidFill>
+                <a:srgbClr val="00B050"/>
+              </a:solidFill>
+            </a:endParaRPr>
+          </a:p>
+        </p:txBody>
+      </p:sp>
+      <p:sp>
+        <p:nvSpPr>
+          <p:cNvPr id="3" name="Content Placeholder 2"/>
+          <p:cNvSpPr>
+            <a:spLocks noGrp="1"/>
+          </p:cNvSpPr>
+          <p:nvPr>
+            <p:ph idx="1"/>
+          </p:nvPr>
+        </p:nvSpPr>
+        <p:spPr>
+          <a:xfrm>
+            <a:off x="457200" y="1600201"/>
+            <a:ext cx="8229600" cy="685800"/>
+          </a:xfrm>
+        </p:spPr>
+        <p:txBody>
+          <a:bodyPr/>
+          <a:lstStyle/>
+          <a:p>
+            <a:r>
+              <a:rPr lang="en-US" dirty="0" smtClean="0"/>
+              <a:t>Manage medical record</a:t>
+            </a:r>
+            <a:endParaRPr lang="vi-VN" dirty="0"/>
+          </a:p>
+        </p:txBody>
+      </p:sp>
+      <p:pic>
+        <p:nvPicPr>
+          <p:cNvPr id="4" name="Picture 3"/>
+          <p:cNvPicPr>
+            <a:picLocks noChangeAspect="1"/>
+          </p:cNvPicPr>
+          <p:nvPr/>
+        </p:nvPicPr>
+        <p:blipFill>
+          <a:blip r:embed="rId3" cstate="print">
+            <a:extLst>
+              <a:ext uri="{28A0092B-C50C-407E-A947-70E740481C1C}">
+                <a14:useLocalDpi xmlns:a14="http://schemas.microsoft.com/office/drawing/2010/main" val="0"/>
+              </a:ext>
+            </a:extLst>
+          </a:blip>
+          <a:stretch>
+            <a:fillRect/>
+          </a:stretch>
+        </p:blipFill>
+        <p:spPr>
+          <a:xfrm>
             <a:off x="7315200" y="2362200"/>
             <a:ext cx="914400" cy="914400"/>
           </a:xfrm>
@@ -3717,7 +4255,7 @@
           <p:nvPr/>
         </p:nvPicPr>
         <p:blipFill>
-          <a:blip r:embed="rId3">
+          <a:blip r:embed="rId4">
             <a:extLst>
               <a:ext uri="{28A0092B-C50C-407E-A947-70E740481C1C}">
                 <a14:useLocalDpi xmlns:a14="http://schemas.microsoft.com/office/drawing/2010/main" val="0"/>
@@ -3747,7 +4285,7 @@
           <p:nvPr/>
         </p:nvPicPr>
         <p:blipFill>
-          <a:blip r:embed="rId4">
+          <a:blip r:embed="rId5">
             <a:extLst>
               <a:ext uri="{28A0092B-C50C-407E-A947-70E740481C1C}">
                 <a14:useLocalDpi xmlns:a14="http://schemas.microsoft.com/office/drawing/2010/main" val="0"/>
@@ -3921,7 +4459,7 @@
           <p:nvPr/>
         </p:nvPicPr>
         <p:blipFill>
-          <a:blip r:embed="rId5" cstate="print">
+          <a:blip r:embed="rId6" cstate="print">
             <a:extLst>
               <a:ext uri="{28A0092B-C50C-407E-A947-70E740481C1C}">
                 <a14:useLocalDpi xmlns:a14="http://schemas.microsoft.com/office/drawing/2010/main" val="0"/>
@@ -3951,7 +4489,7 @@
           <p:nvPr/>
         </p:nvPicPr>
         <p:blipFill>
-          <a:blip r:embed="rId6">
+          <a:blip r:embed="rId7">
             <a:extLst>
               <a:ext uri="{28A0092B-C50C-407E-A947-70E740481C1C}">
                 <a14:useLocalDpi xmlns:a14="http://schemas.microsoft.com/office/drawing/2010/main" val="0"/>
@@ -4020,6 +4558,36 @@
           <a:chExt cx="0" cy="0"/>
         </a:xfrm>
       </p:grpSpPr>
+      <p:pic>
+        <p:nvPicPr>
+          <p:cNvPr id="5" name="Picture 4"/>
+          <p:cNvPicPr>
+            <a:picLocks noChangeAspect="1"/>
+          </p:cNvPicPr>
+          <p:nvPr/>
+        </p:nvPicPr>
+        <p:blipFill>
+          <a:blip r:embed="rId2">
+            <a:extLst>
+              <a:ext uri="{28A0092B-C50C-407E-A947-70E740481C1C}">
+                <a14:useLocalDpi xmlns:a14="http://schemas.microsoft.com/office/drawing/2010/main" val="0"/>
+              </a:ext>
+            </a:extLst>
+          </a:blip>
+          <a:stretch>
+            <a:fillRect/>
+          </a:stretch>
+        </p:blipFill>
+        <p:spPr>
+          <a:xfrm>
+            <a:off x="18011" y="1"/>
+            <a:ext cx="9144000" cy="6858000"/>
+          </a:xfrm>
+          <a:prstGeom prst="rect">
+            <a:avLst/>
+          </a:prstGeom>
+        </p:spPr>
+      </p:pic>
       <p:sp>
         <p:nvSpPr>
           <p:cNvPr id="2" name="Title 1"/>
@@ -4036,10 +4604,18 @@
           <a:lstStyle/>
           <a:p>
             <a:r>
-              <a:rPr lang="en-US" dirty="0" smtClean="0"/>
+              <a:rPr lang="en-US" b="1" dirty="0" smtClean="0">
+                <a:solidFill>
+                  <a:srgbClr val="00B050"/>
+                </a:solidFill>
+              </a:rPr>
               <a:t>Advantage</a:t>
             </a:r>
-            <a:endParaRPr lang="vi-VN" dirty="0"/>
+            <a:endParaRPr lang="vi-VN" b="1" dirty="0">
+              <a:solidFill>
+                <a:srgbClr val="00B050"/>
+              </a:solidFill>
+            </a:endParaRPr>
           </a:p>
         </p:txBody>
       </p:sp>
@@ -4080,7 +4656,7 @@
           <p:nvPr/>
         </p:nvPicPr>
         <p:blipFill>
-          <a:blip r:embed="rId2">
+          <a:blip r:embed="rId3">
             <a:extLst>
               <a:ext uri="{28A0092B-C50C-407E-A947-70E740481C1C}">
                 <a14:useLocalDpi xmlns:a14="http://schemas.microsoft.com/office/drawing/2010/main" val="0"/>
@@ -4138,6 +4714,36 @@
           <a:chExt cx="0" cy="0"/>
         </a:xfrm>
       </p:grpSpPr>
+      <p:pic>
+        <p:nvPicPr>
+          <p:cNvPr id="5" name="Picture 4"/>
+          <p:cNvPicPr>
+            <a:picLocks noChangeAspect="1"/>
+          </p:cNvPicPr>
+          <p:nvPr/>
+        </p:nvPicPr>
+        <p:blipFill>
+          <a:blip r:embed="rId2">
+            <a:extLst>
+              <a:ext uri="{28A0092B-C50C-407E-A947-70E740481C1C}">
+                <a14:useLocalDpi xmlns:a14="http://schemas.microsoft.com/office/drawing/2010/main" val="0"/>
+              </a:ext>
+            </a:extLst>
+          </a:blip>
+          <a:stretch>
+            <a:fillRect/>
+          </a:stretch>
+        </p:blipFill>
+        <p:spPr>
+          <a:xfrm>
+            <a:off x="18011" y="1"/>
+            <a:ext cx="9144000" cy="6858000"/>
+          </a:xfrm>
+          <a:prstGeom prst="rect">
+            <a:avLst/>
+          </a:prstGeom>
+        </p:spPr>
+      </p:pic>
       <p:sp>
         <p:nvSpPr>
           <p:cNvPr id="2" name="Title 1"/>
@@ -4154,10 +4760,18 @@
           <a:lstStyle/>
           <a:p>
             <a:r>
-              <a:rPr lang="en-US" dirty="0" smtClean="0"/>
+              <a:rPr lang="en-US" b="1" dirty="0" smtClean="0">
+                <a:solidFill>
+                  <a:srgbClr val="00B050"/>
+                </a:solidFill>
+              </a:rPr>
               <a:t>Advantage</a:t>
             </a:r>
-            <a:endParaRPr lang="vi-VN" dirty="0"/>
+            <a:endParaRPr lang="vi-VN" b="1" dirty="0">
+              <a:solidFill>
+                <a:srgbClr val="00B050"/>
+              </a:solidFill>
+            </a:endParaRPr>
           </a:p>
         </p:txBody>
       </p:sp>
@@ -4200,7 +4814,7 @@
           <p:nvPr/>
         </p:nvPicPr>
         <p:blipFill>
-          <a:blip r:embed="rId2" cstate="print">
+          <a:blip r:embed="rId3" cstate="print">
             <a:extLst>
               <a:ext uri="{28A0092B-C50C-407E-A947-70E740481C1C}">
                 <a14:useLocalDpi xmlns:a14="http://schemas.microsoft.com/office/drawing/2010/main" val="0"/>
@@ -4258,57 +4872,9 @@
           <a:chExt cx="0" cy="0"/>
         </a:xfrm>
       </p:grpSpPr>
-      <p:sp>
-        <p:nvSpPr>
-          <p:cNvPr id="2" name="Title 1"/>
-          <p:cNvSpPr>
-            <a:spLocks noGrp="1"/>
-          </p:cNvSpPr>
-          <p:nvPr>
-            <p:ph type="title"/>
-          </p:nvPr>
-        </p:nvSpPr>
-        <p:spPr/>
-        <p:txBody>
-          <a:bodyPr/>
-          <a:lstStyle/>
-          <a:p>
-            <a:r>
-              <a:rPr lang="en-US" dirty="0" smtClean="0"/>
-              <a:t>Main Function</a:t>
-            </a:r>
-            <a:endParaRPr lang="vi-VN" dirty="0"/>
-          </a:p>
-        </p:txBody>
-      </p:sp>
-      <p:sp>
-        <p:nvSpPr>
-          <p:cNvPr id="3" name="Content Placeholder 2"/>
-          <p:cNvSpPr>
-            <a:spLocks noGrp="1"/>
-          </p:cNvSpPr>
-          <p:nvPr>
-            <p:ph idx="1"/>
-          </p:nvPr>
-        </p:nvSpPr>
-        <p:spPr/>
-        <p:txBody>
-          <a:bodyPr/>
-          <a:lstStyle/>
-          <a:p>
-            <a:r>
-              <a:rPr lang="en-US" dirty="0" smtClean="0"/>
-              <a:t>Register examination</a:t>
-            </a:r>
-          </a:p>
-          <a:p>
-            <a:endParaRPr lang="en-US" dirty="0" smtClean="0"/>
-          </a:p>
-        </p:txBody>
-      </p:sp>
       <p:pic>
         <p:nvPicPr>
-          <p:cNvPr id="4" name="Picture 3"/>
+          <p:cNvPr id="5" name="Picture 4"/>
           <p:cNvPicPr>
             <a:picLocks noChangeAspect="1"/>
           </p:cNvPicPr>
@@ -4328,14 +4894,45 @@
         </p:blipFill>
         <p:spPr>
           <a:xfrm>
-            <a:off x="3262312" y="2557462"/>
-            <a:ext cx="2619375" cy="1743075"/>
+            <a:off x="18011" y="1"/>
+            <a:ext cx="9144000" cy="6858000"/>
           </a:xfrm>
           <a:prstGeom prst="rect">
             <a:avLst/>
           </a:prstGeom>
         </p:spPr>
       </p:pic>
+      <p:sp>
+        <p:nvSpPr>
+          <p:cNvPr id="2" name="Title 1"/>
+          <p:cNvSpPr>
+            <a:spLocks noGrp="1"/>
+          </p:cNvSpPr>
+          <p:nvPr>
+            <p:ph type="title"/>
+          </p:nvPr>
+        </p:nvSpPr>
+        <p:spPr/>
+        <p:txBody>
+          <a:bodyPr/>
+          <a:lstStyle/>
+          <a:p>
+            <a:r>
+              <a:rPr lang="en-US" b="1" dirty="0" smtClean="0">
+                <a:solidFill>
+                  <a:srgbClr val="00B050"/>
+                </a:solidFill>
+              </a:rPr>
+              <a:t>Main Function</a:t>
+            </a:r>
+            <a:endParaRPr lang="vi-VN" b="1" dirty="0">
+              <a:solidFill>
+                <a:srgbClr val="00B050"/>
+              </a:solidFill>
+            </a:endParaRPr>
+          </a:p>
+        </p:txBody>
+      </p:sp>
     </p:spTree>
     <p:extLst>
       <p:ext uri="{BB962C8B-B14F-4D97-AF65-F5344CB8AC3E}">
@@ -4373,62 +4970,9 @@
           <a:chExt cx="0" cy="0"/>
         </a:xfrm>
       </p:grpSpPr>
-      <p:sp>
-        <p:nvSpPr>
-          <p:cNvPr id="2" name="Title 1"/>
-          <p:cNvSpPr>
-            <a:spLocks noGrp="1"/>
-          </p:cNvSpPr>
-          <p:nvPr>
-            <p:ph type="title"/>
-          </p:nvPr>
-        </p:nvSpPr>
-        <p:spPr/>
-        <p:txBody>
-          <a:bodyPr/>
-          <a:lstStyle/>
-          <a:p>
-            <a:r>
-              <a:rPr lang="en-US" dirty="0" smtClean="0"/>
-              <a:t>Main Function</a:t>
-            </a:r>
-            <a:endParaRPr lang="vi-VN" dirty="0"/>
-          </a:p>
-        </p:txBody>
-      </p:sp>
-      <p:sp>
-        <p:nvSpPr>
-          <p:cNvPr id="3" name="Content Placeholder 2"/>
-          <p:cNvSpPr>
-            <a:spLocks noGrp="1"/>
-          </p:cNvSpPr>
-          <p:nvPr>
-            <p:ph idx="1"/>
-          </p:nvPr>
-        </p:nvSpPr>
-        <p:spPr/>
-        <p:txBody>
-          <a:bodyPr/>
-          <a:lstStyle/>
-          <a:p>
-            <a:r>
-              <a:rPr lang="en-US" dirty="0"/>
-              <a:t>Make food </a:t>
-            </a:r>
-            <a:r>
-              <a:rPr lang="en-US" dirty="0" smtClean="0"/>
-              <a:t>ingredient</a:t>
-            </a:r>
-            <a:endParaRPr lang="en-US" dirty="0"/>
-          </a:p>
-          <a:p>
-            <a:endParaRPr lang="en-US" dirty="0" smtClean="0"/>
-          </a:p>
-        </p:txBody>
-      </p:sp>
       <p:pic>
         <p:nvPicPr>
-          <p:cNvPr id="4" name="Picture 3"/>
+          <p:cNvPr id="5" name="Picture 4"/>
           <p:cNvPicPr>
             <a:picLocks noChangeAspect="1"/>
           </p:cNvPicPr>
@@ -4448,8 +4992,94 @@
         </p:blipFill>
         <p:spPr>
           <a:xfrm>
-            <a:off x="2286000" y="2286000"/>
-            <a:ext cx="4572000" cy="3213100"/>
+            <a:off x="18011" y="1"/>
+            <a:ext cx="9144000" cy="6858000"/>
+          </a:xfrm>
+          <a:prstGeom prst="rect">
+            <a:avLst/>
+          </a:prstGeom>
+        </p:spPr>
+      </p:pic>
+      <p:sp>
+        <p:nvSpPr>
+          <p:cNvPr id="2" name="Title 1"/>
+          <p:cNvSpPr>
+            <a:spLocks noGrp="1"/>
+          </p:cNvSpPr>
+          <p:nvPr>
+            <p:ph type="title"/>
+          </p:nvPr>
+        </p:nvSpPr>
+        <p:spPr/>
+        <p:txBody>
+          <a:bodyPr/>
+          <a:lstStyle/>
+          <a:p>
+            <a:r>
+              <a:rPr lang="en-US" b="1" dirty="0" smtClean="0">
+                <a:solidFill>
+                  <a:srgbClr val="00B050"/>
+                </a:solidFill>
+              </a:rPr>
+              <a:t>Main Function</a:t>
+            </a:r>
+            <a:endParaRPr lang="vi-VN" b="1" dirty="0">
+              <a:solidFill>
+                <a:srgbClr val="00B050"/>
+              </a:solidFill>
+            </a:endParaRPr>
+          </a:p>
+        </p:txBody>
+      </p:sp>
+      <p:sp>
+        <p:nvSpPr>
+          <p:cNvPr id="3" name="Content Placeholder 2"/>
+          <p:cNvSpPr>
+            <a:spLocks noGrp="1"/>
+          </p:cNvSpPr>
+          <p:nvPr>
+            <p:ph idx="1"/>
+          </p:nvPr>
+        </p:nvSpPr>
+        <p:spPr/>
+        <p:txBody>
+          <a:bodyPr/>
+          <a:lstStyle/>
+          <a:p>
+            <a:r>
+              <a:rPr lang="en-US" dirty="0" smtClean="0"/>
+              <a:t>Register examination</a:t>
+            </a:r>
+          </a:p>
+          <a:p>
+            <a:endParaRPr lang="en-US" dirty="0" smtClean="0"/>
+          </a:p>
+        </p:txBody>
+      </p:sp>
+      <p:pic>
+        <p:nvPicPr>
+          <p:cNvPr id="4" name="Picture 3"/>
+          <p:cNvPicPr>
+            <a:picLocks noChangeAspect="1"/>
+          </p:cNvPicPr>
+          <p:nvPr/>
+        </p:nvPicPr>
+        <p:blipFill>
+          <a:blip r:embed="rId3">
+            <a:extLst>
+              <a:ext uri="{28A0092B-C50C-407E-A947-70E740481C1C}">
+                <a14:useLocalDpi xmlns:a14="http://schemas.microsoft.com/office/drawing/2010/main" val="0"/>
+              </a:ext>
+            </a:extLst>
+          </a:blip>
+          <a:stretch>
+            <a:fillRect/>
+          </a:stretch>
+        </p:blipFill>
+        <p:spPr>
+          <a:xfrm>
+            <a:off x="3262312" y="2557462"/>
+            <a:ext cx="2619375" cy="1743075"/>
           </a:xfrm>
           <a:prstGeom prst="rect">
             <a:avLst/>
@@ -4459,7 +5089,7 @@
     </p:spTree>
     <p:extLst>
       <p:ext uri="{BB962C8B-B14F-4D97-AF65-F5344CB8AC3E}">
-        <p14:creationId xmlns:p14="http://schemas.microsoft.com/office/powerpoint/2010/main" val="1766197151"/>
+        <p14:creationId xmlns:p14="http://schemas.microsoft.com/office/powerpoint/2010/main" val="1581630309"/>
       </p:ext>
     </p:extLst>
   </p:cSld>
@@ -4493,64 +5123,16 @@
           <a:chExt cx="0" cy="0"/>
         </a:xfrm>
       </p:grpSpPr>
-      <p:sp>
-        <p:nvSpPr>
-          <p:cNvPr id="2" name="Title 1"/>
-          <p:cNvSpPr>
-            <a:spLocks noGrp="1"/>
-          </p:cNvSpPr>
-          <p:nvPr>
-            <p:ph type="title"/>
-          </p:nvPr>
-        </p:nvSpPr>
-        <p:spPr/>
-        <p:txBody>
-          <a:bodyPr/>
-          <a:lstStyle/>
-          <a:p>
-            <a:r>
-              <a:rPr lang="en-US" dirty="0" smtClean="0"/>
-              <a:t>Main Function</a:t>
-            </a:r>
-            <a:endParaRPr lang="vi-VN" dirty="0"/>
-          </a:p>
-        </p:txBody>
-      </p:sp>
-      <p:sp>
-        <p:nvSpPr>
-          <p:cNvPr id="3" name="Content Placeholder 2"/>
-          <p:cNvSpPr>
-            <a:spLocks noGrp="1"/>
-          </p:cNvSpPr>
-          <p:nvPr>
-            <p:ph idx="1"/>
-          </p:nvPr>
-        </p:nvSpPr>
-        <p:spPr/>
-        <p:txBody>
-          <a:bodyPr/>
-          <a:lstStyle/>
-          <a:p>
-            <a:r>
-              <a:rPr lang="en-US" dirty="0"/>
-              <a:t>Suggest treatment</a:t>
-            </a:r>
-          </a:p>
-          <a:p>
-            <a:endParaRPr lang="en-US" dirty="0" smtClean="0"/>
-          </a:p>
-        </p:txBody>
-      </p:sp>
       <p:pic>
         <p:nvPicPr>
-          <p:cNvPr id="4" name="Picture 3"/>
+          <p:cNvPr id="5" name="Picture 4"/>
           <p:cNvPicPr>
             <a:picLocks noChangeAspect="1"/>
           </p:cNvPicPr>
           <p:nvPr/>
         </p:nvPicPr>
         <p:blipFill>
-          <a:blip r:embed="rId2" cstate="print">
+          <a:blip r:embed="rId2">
             <a:extLst>
               <a:ext uri="{28A0092B-C50C-407E-A947-70E740481C1C}">
                 <a14:useLocalDpi xmlns:a14="http://schemas.microsoft.com/office/drawing/2010/main" val="0"/>
@@ -4563,8 +5145,99 @@
         </p:blipFill>
         <p:spPr>
           <a:xfrm>
-            <a:off x="2579077" y="2057400"/>
-            <a:ext cx="2993180" cy="3200400"/>
+            <a:off x="18011" y="1"/>
+            <a:ext cx="9144000" cy="6858000"/>
+          </a:xfrm>
+          <a:prstGeom prst="rect">
+            <a:avLst/>
+          </a:prstGeom>
+        </p:spPr>
+      </p:pic>
+      <p:sp>
+        <p:nvSpPr>
+          <p:cNvPr id="2" name="Title 1"/>
+          <p:cNvSpPr>
+            <a:spLocks noGrp="1"/>
+          </p:cNvSpPr>
+          <p:nvPr>
+            <p:ph type="title"/>
+          </p:nvPr>
+        </p:nvSpPr>
+        <p:spPr/>
+        <p:txBody>
+          <a:bodyPr/>
+          <a:lstStyle/>
+          <a:p>
+            <a:r>
+              <a:rPr lang="en-US" b="1" dirty="0" smtClean="0">
+                <a:solidFill>
+                  <a:srgbClr val="00B050"/>
+                </a:solidFill>
+              </a:rPr>
+              <a:t>Main Function</a:t>
+            </a:r>
+            <a:endParaRPr lang="vi-VN" b="1" dirty="0">
+              <a:solidFill>
+                <a:srgbClr val="00B050"/>
+              </a:solidFill>
+            </a:endParaRPr>
+          </a:p>
+        </p:txBody>
+      </p:sp>
+      <p:sp>
+        <p:nvSpPr>
+          <p:cNvPr id="3" name="Content Placeholder 2"/>
+          <p:cNvSpPr>
+            <a:spLocks noGrp="1"/>
+          </p:cNvSpPr>
+          <p:nvPr>
+            <p:ph idx="1"/>
+          </p:nvPr>
+        </p:nvSpPr>
+        <p:spPr/>
+        <p:txBody>
+          <a:bodyPr/>
+          <a:lstStyle/>
+          <a:p>
+            <a:r>
+              <a:rPr lang="en-US" dirty="0"/>
+              <a:t>Make food </a:t>
+            </a:r>
+            <a:r>
+              <a:rPr lang="en-US" dirty="0" smtClean="0"/>
+              <a:t>ingredient</a:t>
+            </a:r>
+            <a:endParaRPr lang="en-US" dirty="0"/>
+          </a:p>
+          <a:p>
+            <a:endParaRPr lang="en-US" dirty="0" smtClean="0"/>
+          </a:p>
+        </p:txBody>
+      </p:sp>
+      <p:pic>
+        <p:nvPicPr>
+          <p:cNvPr id="4" name="Picture 3"/>
+          <p:cNvPicPr>
+            <a:picLocks noChangeAspect="1"/>
+          </p:cNvPicPr>
+          <p:nvPr/>
+        </p:nvPicPr>
+        <p:blipFill>
+          <a:blip r:embed="rId3">
+            <a:extLst>
+              <a:ext uri="{28A0092B-C50C-407E-A947-70E740481C1C}">
+                <a14:useLocalDpi xmlns:a14="http://schemas.microsoft.com/office/drawing/2010/main" val="0"/>
+              </a:ext>
+            </a:extLst>
+          </a:blip>
+          <a:stretch>
+            <a:fillRect/>
+          </a:stretch>
+        </p:blipFill>
+        <p:spPr>
+          <a:xfrm>
+            <a:off x="2286000" y="2286000"/>
+            <a:ext cx="4572000" cy="3213100"/>
           </a:xfrm>
           <a:prstGeom prst="rect">
             <a:avLst/>
@@ -4574,7 +5247,7 @@
     </p:spTree>
     <p:extLst>
       <p:ext uri="{BB962C8B-B14F-4D97-AF65-F5344CB8AC3E}">
-        <p14:creationId xmlns:p14="http://schemas.microsoft.com/office/powerpoint/2010/main" val="856254057"/>
+        <p14:creationId xmlns:p14="http://schemas.microsoft.com/office/powerpoint/2010/main" val="1766197151"/>
       </p:ext>
     </p:extLst>
   </p:cSld>
@@ -4608,64 +5281,16 @@
           <a:chExt cx="0" cy="0"/>
         </a:xfrm>
       </p:grpSpPr>
-      <p:sp>
-        <p:nvSpPr>
-          <p:cNvPr id="2" name="Title 1"/>
-          <p:cNvSpPr>
-            <a:spLocks noGrp="1"/>
-          </p:cNvSpPr>
-          <p:nvPr>
-            <p:ph type="title"/>
-          </p:nvPr>
-        </p:nvSpPr>
-        <p:spPr/>
-        <p:txBody>
-          <a:bodyPr/>
-          <a:lstStyle/>
-          <a:p>
-            <a:r>
-              <a:rPr lang="en-US" dirty="0" smtClean="0"/>
-              <a:t>Main Function</a:t>
-            </a:r>
-            <a:endParaRPr lang="vi-VN" dirty="0"/>
-          </a:p>
-        </p:txBody>
-      </p:sp>
-      <p:sp>
-        <p:nvSpPr>
-          <p:cNvPr id="3" name="Content Placeholder 2"/>
-          <p:cNvSpPr>
-            <a:spLocks noGrp="1"/>
-          </p:cNvSpPr>
-          <p:nvPr>
-            <p:ph idx="1"/>
-          </p:nvPr>
-        </p:nvSpPr>
-        <p:spPr/>
-        <p:txBody>
-          <a:bodyPr/>
-          <a:lstStyle/>
-          <a:p>
-            <a:r>
-              <a:rPr lang="en-US" dirty="0"/>
-              <a:t>Make prescription</a:t>
-            </a:r>
-          </a:p>
-          <a:p>
-            <a:endParaRPr lang="en-US" dirty="0" smtClean="0"/>
-          </a:p>
-        </p:txBody>
-      </p:sp>
       <p:pic>
         <p:nvPicPr>
-          <p:cNvPr id="4" name="Picture 3"/>
+          <p:cNvPr id="5" name="Picture 4"/>
           <p:cNvPicPr>
             <a:picLocks noChangeAspect="1"/>
           </p:cNvPicPr>
           <p:nvPr/>
         </p:nvPicPr>
         <p:blipFill>
-          <a:blip r:embed="rId2" cstate="print">
+          <a:blip r:embed="rId2">
             <a:extLst>
               <a:ext uri="{28A0092B-C50C-407E-A947-70E740481C1C}">
                 <a14:useLocalDpi xmlns:a14="http://schemas.microsoft.com/office/drawing/2010/main" val="0"/>
@@ -4678,8 +5303,94 @@
         </p:blipFill>
         <p:spPr>
           <a:xfrm>
-            <a:off x="3048000" y="2362200"/>
-            <a:ext cx="2895600" cy="3860800"/>
+            <a:off x="18011" y="1"/>
+            <a:ext cx="9144000" cy="6858000"/>
+          </a:xfrm>
+          <a:prstGeom prst="rect">
+            <a:avLst/>
+          </a:prstGeom>
+        </p:spPr>
+      </p:pic>
+      <p:sp>
+        <p:nvSpPr>
+          <p:cNvPr id="2" name="Title 1"/>
+          <p:cNvSpPr>
+            <a:spLocks noGrp="1"/>
+          </p:cNvSpPr>
+          <p:nvPr>
+            <p:ph type="title"/>
+          </p:nvPr>
+        </p:nvSpPr>
+        <p:spPr/>
+        <p:txBody>
+          <a:bodyPr/>
+          <a:lstStyle/>
+          <a:p>
+            <a:r>
+              <a:rPr lang="en-US" b="1" dirty="0" smtClean="0">
+                <a:solidFill>
+                  <a:srgbClr val="00B050"/>
+                </a:solidFill>
+              </a:rPr>
+              <a:t>Main Function</a:t>
+            </a:r>
+            <a:endParaRPr lang="vi-VN" b="1" dirty="0">
+              <a:solidFill>
+                <a:srgbClr val="00B050"/>
+              </a:solidFill>
+            </a:endParaRPr>
+          </a:p>
+        </p:txBody>
+      </p:sp>
+      <p:sp>
+        <p:nvSpPr>
+          <p:cNvPr id="3" name="Content Placeholder 2"/>
+          <p:cNvSpPr>
+            <a:spLocks noGrp="1"/>
+          </p:cNvSpPr>
+          <p:nvPr>
+            <p:ph idx="1"/>
+          </p:nvPr>
+        </p:nvSpPr>
+        <p:spPr/>
+        <p:txBody>
+          <a:bodyPr/>
+          <a:lstStyle/>
+          <a:p>
+            <a:r>
+              <a:rPr lang="en-US" dirty="0"/>
+              <a:t>Suggest treatment</a:t>
+            </a:r>
+          </a:p>
+          <a:p>
+            <a:endParaRPr lang="en-US" dirty="0" smtClean="0"/>
+          </a:p>
+        </p:txBody>
+      </p:sp>
+      <p:pic>
+        <p:nvPicPr>
+          <p:cNvPr id="4" name="Picture 3"/>
+          <p:cNvPicPr>
+            <a:picLocks noChangeAspect="1"/>
+          </p:cNvPicPr>
+          <p:nvPr/>
+        </p:nvPicPr>
+        <p:blipFill>
+          <a:blip r:embed="rId3" cstate="print">
+            <a:extLst>
+              <a:ext uri="{28A0092B-C50C-407E-A947-70E740481C1C}">
+                <a14:useLocalDpi xmlns:a14="http://schemas.microsoft.com/office/drawing/2010/main" val="0"/>
+              </a:ext>
+            </a:extLst>
+          </a:blip>
+          <a:stretch>
+            <a:fillRect/>
+          </a:stretch>
+        </p:blipFill>
+        <p:spPr>
+          <a:xfrm>
+            <a:off x="2579077" y="2057400"/>
+            <a:ext cx="2993180" cy="3200400"/>
           </a:xfrm>
           <a:prstGeom prst="rect">
             <a:avLst/>
@@ -4689,7 +5400,7 @@
     </p:spTree>
     <p:extLst>
       <p:ext uri="{BB962C8B-B14F-4D97-AF65-F5344CB8AC3E}">
-        <p14:creationId xmlns:p14="http://schemas.microsoft.com/office/powerpoint/2010/main" val="3556113046"/>
+        <p14:creationId xmlns:p14="http://schemas.microsoft.com/office/powerpoint/2010/main" val="856254057"/>
       </p:ext>
     </p:extLst>
   </p:cSld>
@@ -4723,62 +5434,9 @@
           <a:chExt cx="0" cy="0"/>
         </a:xfrm>
       </p:grpSpPr>
-      <p:sp>
-        <p:nvSpPr>
-          <p:cNvPr id="2" name="Title 1"/>
-          <p:cNvSpPr>
-            <a:spLocks noGrp="1"/>
-          </p:cNvSpPr>
-          <p:nvPr>
-            <p:ph type="title"/>
-          </p:nvPr>
-        </p:nvSpPr>
-        <p:spPr/>
-        <p:txBody>
-          <a:bodyPr/>
-          <a:lstStyle/>
-          <a:p>
-            <a:r>
-              <a:rPr lang="en-US" dirty="0" smtClean="0"/>
-              <a:t>Main Function</a:t>
-            </a:r>
-            <a:endParaRPr lang="vi-VN" dirty="0"/>
-          </a:p>
-        </p:txBody>
-      </p:sp>
-      <p:sp>
-        <p:nvSpPr>
-          <p:cNvPr id="3" name="Content Placeholder 2"/>
-          <p:cNvSpPr>
-            <a:spLocks noGrp="1"/>
-          </p:cNvSpPr>
-          <p:nvPr>
-            <p:ph idx="1"/>
-          </p:nvPr>
-        </p:nvSpPr>
-        <p:spPr>
-          <a:xfrm>
-            <a:off x="457200" y="1600201"/>
-            <a:ext cx="8229600" cy="838200"/>
-          </a:xfrm>
-        </p:spPr>
-        <p:txBody>
-          <a:bodyPr/>
-          <a:lstStyle/>
-          <a:p>
-            <a:r>
-              <a:rPr lang="en-US" dirty="0"/>
-              <a:t>Remind patient in treating</a:t>
-            </a:r>
-          </a:p>
-          <a:p>
-            <a:endParaRPr lang="en-US" dirty="0" smtClean="0"/>
-          </a:p>
-        </p:txBody>
-      </p:sp>
       <p:pic>
         <p:nvPicPr>
-          <p:cNvPr id="4" name="Picture 3"/>
+          <p:cNvPr id="5" name="Picture 4"/>
           <p:cNvPicPr>
             <a:picLocks noChangeAspect="1"/>
           </p:cNvPicPr>
@@ -4798,17 +5456,73 @@
         </p:blipFill>
         <p:spPr>
           <a:xfrm>
-            <a:off x="3276600" y="3886200"/>
-            <a:ext cx="2162908" cy="2162908"/>
+            <a:off x="18011" y="0"/>
+            <a:ext cx="9144000" cy="6858000"/>
           </a:xfrm>
           <a:prstGeom prst="rect">
             <a:avLst/>
           </a:prstGeom>
         </p:spPr>
       </p:pic>
+      <p:sp>
+        <p:nvSpPr>
+          <p:cNvPr id="2" name="Title 1"/>
+          <p:cNvSpPr>
+            <a:spLocks noGrp="1"/>
+          </p:cNvSpPr>
+          <p:nvPr>
+            <p:ph type="title"/>
+          </p:nvPr>
+        </p:nvSpPr>
+        <p:spPr/>
+        <p:txBody>
+          <a:bodyPr/>
+          <a:lstStyle/>
+          <a:p>
+            <a:r>
+              <a:rPr lang="en-US" b="1" dirty="0" smtClean="0">
+                <a:solidFill>
+                  <a:srgbClr val="00B050"/>
+                </a:solidFill>
+              </a:rPr>
+              <a:t>Main Function</a:t>
+            </a:r>
+            <a:endParaRPr lang="vi-VN" b="1" dirty="0">
+              <a:solidFill>
+                <a:srgbClr val="00B050"/>
+              </a:solidFill>
+            </a:endParaRPr>
+          </a:p>
+        </p:txBody>
+      </p:sp>
+      <p:sp>
+        <p:nvSpPr>
+          <p:cNvPr id="3" name="Content Placeholder 2"/>
+          <p:cNvSpPr>
+            <a:spLocks noGrp="1"/>
+          </p:cNvSpPr>
+          <p:nvPr>
+            <p:ph idx="1"/>
+          </p:nvPr>
+        </p:nvSpPr>
+        <p:spPr/>
+        <p:txBody>
+          <a:bodyPr/>
+          <a:lstStyle/>
+          <a:p>
+            <a:r>
+              <a:rPr lang="en-US" dirty="0"/>
+              <a:t>Make prescription</a:t>
+            </a:r>
+          </a:p>
+          <a:p>
+            <a:endParaRPr lang="en-US" dirty="0" smtClean="0"/>
+          </a:p>
+        </p:txBody>
+      </p:sp>
       <p:pic>
         <p:nvPicPr>
-          <p:cNvPr id="5" name="Picture 4"/>
+          <p:cNvPr id="4" name="Picture 3"/>
           <p:cNvPicPr>
             <a:picLocks noChangeAspect="1"/>
           </p:cNvPicPr>
@@ -4828,68 +5542,8 @@
         </p:blipFill>
         <p:spPr>
           <a:xfrm>
-            <a:off x="1747227" y="2913166"/>
-            <a:ext cx="1517650" cy="811200"/>
-          </a:xfrm>
-          <a:prstGeom prst="rect">
-            <a:avLst/>
-          </a:prstGeom>
-        </p:spPr>
-      </p:pic>
-      <p:pic>
-        <p:nvPicPr>
-          <p:cNvPr id="6" name="Picture 5"/>
-          <p:cNvPicPr>
-            <a:picLocks noChangeAspect="1"/>
-          </p:cNvPicPr>
-          <p:nvPr/>
-        </p:nvPicPr>
-        <p:blipFill>
-          <a:blip r:embed="rId4">
-            <a:extLst>
-              <a:ext uri="{28A0092B-C50C-407E-A947-70E740481C1C}">
-                <a14:useLocalDpi xmlns:a14="http://schemas.microsoft.com/office/drawing/2010/main" val="0"/>
-              </a:ext>
-            </a:extLst>
-          </a:blip>
-          <a:stretch>
-            <a:fillRect/>
-          </a:stretch>
-        </p:blipFill>
-        <p:spPr>
-          <a:xfrm>
-            <a:off x="3707973" y="2631738"/>
-            <a:ext cx="1092628" cy="1092628"/>
-          </a:xfrm>
-          <a:prstGeom prst="rect">
-            <a:avLst/>
-          </a:prstGeom>
-        </p:spPr>
-      </p:pic>
-      <p:pic>
-        <p:nvPicPr>
-          <p:cNvPr id="7" name="Picture 6"/>
-          <p:cNvPicPr>
-            <a:picLocks noChangeAspect="1"/>
-          </p:cNvPicPr>
-          <p:nvPr/>
-        </p:nvPicPr>
-        <p:blipFill>
-          <a:blip r:embed="rId5" cstate="print">
-            <a:extLst>
-              <a:ext uri="{28A0092B-C50C-407E-A947-70E740481C1C}">
-                <a14:useLocalDpi xmlns:a14="http://schemas.microsoft.com/office/drawing/2010/main" val="0"/>
-              </a:ext>
-            </a:extLst>
-          </a:blip>
-          <a:stretch>
-            <a:fillRect/>
-          </a:stretch>
-        </p:blipFill>
-        <p:spPr>
-          <a:xfrm>
-            <a:off x="5638800" y="2773698"/>
-            <a:ext cx="1267557" cy="950668"/>
+            <a:off x="3048000" y="2362200"/>
+            <a:ext cx="2895600" cy="3860800"/>
           </a:xfrm>
           <a:prstGeom prst="rect">
             <a:avLst/>
@@ -4899,7 +5553,7 @@
     </p:spTree>
     <p:extLst>
       <p:ext uri="{BB962C8B-B14F-4D97-AF65-F5344CB8AC3E}">
-        <p14:creationId xmlns:p14="http://schemas.microsoft.com/office/powerpoint/2010/main" val="3109603894"/>
+        <p14:creationId xmlns:p14="http://schemas.microsoft.com/office/powerpoint/2010/main" val="3556113046"/>
       </p:ext>
     </p:extLst>
   </p:cSld>
